--- a/Draftv0.pptx
+++ b/Draftv0.pptx
@@ -32,7 +32,7 @@
       <p:bold r:id="rId20"/>
     </p:embeddedFont>
     <p:embeddedFont>
-      <p:font typeface="Orsted Sans Office" panose="020B0604020202020204" charset="0"/>
+      <p:font typeface="Orsted Sans Office" panose="00000500000000000000" pitchFamily="2" charset="0"/>
       <p:regular r:id="rId21"/>
       <p:bold r:id="rId22"/>
       <p:italic r:id="rId23"/>
@@ -243,7 +243,7 @@
           <a:p>
             <a:fld id="{B3831213-7E75-4F0D-9DD0-8445D05C01D9}" type="datetime4">
               <a:rPr lang="en-GB" smtClean="0"/>
-              <a:t>20 October 2023</a:t>
+              <a:t>07 December 2023</a:t>
             </a:fld>
             <a:endParaRPr lang="en-GB" sz="800" dirty="0"/>
           </a:p>
@@ -582,7 +582,7 @@
           <a:p>
             <a:fld id="{A9046EAA-4433-4C92-B735-B22741F67B10}" type="datetime4">
               <a:rPr lang="en-GB" smtClean="0"/>
-              <a:t>20 October 2023</a:t>
+              <a:t>07 December 2023</a:t>
             </a:fld>
             <a:endParaRPr lang="en-GB" sz="800" dirty="0"/>
           </a:p>
@@ -36959,8 +36959,8 @@
         </p:nvSpPr>
         <p:spPr>
           <a:xfrm>
-            <a:off x="515257" y="2416629"/>
-            <a:ext cx="1797538" cy="256721"/>
+            <a:off x="515257" y="2367757"/>
+            <a:ext cx="1879600" cy="305594"/>
           </a:xfrm>
           <a:prstGeom prst="rect">
             <a:avLst/>
@@ -36997,10 +36997,9 @@
               </a:lnSpc>
             </a:pPr>
             <a:r>
-              <a:rPr lang="pl-PL" sz="1300" noProof="0" dirty="0" err="1"/>
-              <a:t>Name</a:t>
-            </a:r>
-            <a:endParaRPr lang="pl-PL" sz="1300" noProof="0" dirty="0"/>
+              <a:rPr lang="pl-PL" sz="1300" noProof="0" dirty="0"/>
+              <a:t>Jan Bielecki</a:t>
+            </a:r>
           </a:p>
         </p:txBody>
       </p:sp>
@@ -37018,8 +37017,8 @@
         </p:nvSpPr>
         <p:spPr>
           <a:xfrm>
-            <a:off x="515257" y="2990170"/>
-            <a:ext cx="1797538" cy="256721"/>
+            <a:off x="515256" y="2740223"/>
+            <a:ext cx="1879601" cy="337166"/>
           </a:xfrm>
           <a:prstGeom prst="rect">
             <a:avLst/>
@@ -37057,7 +37056,15 @@
             </a:pPr>
             <a:r>
               <a:rPr lang="pl-PL" sz="1300" noProof="0" dirty="0"/>
-              <a:t>ART</a:t>
+              <a:t>Full </a:t>
+            </a:r>
+            <a:r>
+              <a:rPr lang="pl-PL" sz="1300" noProof="0" dirty="0" err="1"/>
+              <a:t>Stack</a:t>
+            </a:r>
+            <a:r>
+              <a:rPr lang="pl-PL" sz="1300" noProof="0" dirty="0"/>
+              <a:t> Developer</a:t>
             </a:r>
           </a:p>
         </p:txBody>
@@ -37076,8 +37083,8 @@
         </p:nvSpPr>
         <p:spPr>
           <a:xfrm>
-            <a:off x="515257" y="3650493"/>
-            <a:ext cx="1797538" cy="256721"/>
+            <a:off x="515255" y="3142326"/>
+            <a:ext cx="1879599" cy="224204"/>
           </a:xfrm>
           <a:prstGeom prst="rect">
             <a:avLst/>
@@ -37114,8 +37121,8 @@
               </a:lnSpc>
             </a:pPr>
             <a:r>
-              <a:rPr lang="pl-PL" sz="1300" dirty="0" err="1"/>
-              <a:t>title</a:t>
+              <a:rPr lang="pl-PL" sz="1300" dirty="0"/>
+              <a:t>E-ART.</a:t>
             </a:r>
             <a:endParaRPr lang="pl-PL" sz="1300" noProof="0" dirty="0"/>
           </a:p>
@@ -37135,8 +37142,8 @@
         </p:nvSpPr>
         <p:spPr>
           <a:xfrm>
-            <a:off x="515257" y="4261979"/>
-            <a:ext cx="1797538" cy="256721"/>
+            <a:off x="2865200" y="2311811"/>
+            <a:ext cx="1879600" cy="1054718"/>
           </a:xfrm>
           <a:prstGeom prst="rect">
             <a:avLst/>
@@ -37180,48 +37187,12 @@
           </a:p>
         </p:txBody>
       </p:sp>
-      <p:pic>
-        <p:nvPicPr>
-          <p:cNvPr id="2" name="Picture 1" descr="Silhouette of a construction site">
-            <a:extLst>
-              <a:ext uri="{FF2B5EF4-FFF2-40B4-BE49-F238E27FC236}">
-                <a16:creationId xmlns:a16="http://schemas.microsoft.com/office/drawing/2014/main" id="{1AA6439A-1294-97ED-FDCB-829739B1B19D}"/>
-              </a:ext>
-            </a:extLst>
-          </p:cNvPr>
-          <p:cNvPicPr>
-            <a:picLocks noChangeAspect="1"/>
-          </p:cNvPicPr>
-          <p:nvPr/>
-        </p:nvPicPr>
-        <p:blipFill>
-          <a:blip r:embed="rId3">
-            <a:extLst>
-              <a:ext uri="{28A0092B-C50C-407E-A947-70E740481C1C}">
-                <a14:useLocalDpi xmlns:a14="http://schemas.microsoft.com/office/drawing/2010/main" val="0"/>
-              </a:ext>
-            </a:extLst>
-          </a:blip>
-          <a:stretch>
-            <a:fillRect/>
-          </a:stretch>
-        </p:blipFill>
-        <p:spPr>
-          <a:xfrm>
-            <a:off x="3638969" y="1027113"/>
-            <a:ext cx="1645138" cy="1096491"/>
-          </a:xfrm>
-          <a:prstGeom prst="rect">
-            <a:avLst/>
-          </a:prstGeom>
-        </p:spPr>
-      </p:pic>
       <p:sp>
         <p:nvSpPr>
-          <p:cNvPr id="7" name="Rectangle 6">
-            <a:extLst>
-              <a:ext uri="{FF2B5EF4-FFF2-40B4-BE49-F238E27FC236}">
-                <a16:creationId xmlns:a16="http://schemas.microsoft.com/office/drawing/2014/main" id="{92977883-84CB-76EE-7016-47C0F27EF5A0}"/>
+          <p:cNvPr id="9" name="Rectangle 8">
+            <a:extLst>
+              <a:ext uri="{FF2B5EF4-FFF2-40B4-BE49-F238E27FC236}">
+                <a16:creationId xmlns:a16="http://schemas.microsoft.com/office/drawing/2014/main" id="{D59FF536-C742-9F1A-4110-A6D4349AE9B4}"/>
               </a:ext>
             </a:extLst>
           </p:cNvPr>
@@ -37230,8 +37201,8 @@
         </p:nvSpPr>
         <p:spPr>
           <a:xfrm>
-            <a:off x="3556907" y="2440424"/>
-            <a:ext cx="1797538" cy="256721"/>
+            <a:off x="4951608" y="2311811"/>
+            <a:ext cx="1879600" cy="1054718"/>
           </a:xfrm>
           <a:prstGeom prst="rect">
             <a:avLst/>
@@ -37268,8 +37239,8 @@
               </a:lnSpc>
             </a:pPr>
             <a:r>
-              <a:rPr lang="pl-PL" sz="1300" noProof="0" dirty="0" err="1"/>
-              <a:t>Name</a:t>
+              <a:rPr lang="pl-PL" sz="1300" dirty="0" err="1"/>
+              <a:t>Experience</a:t>
             </a:r>
             <a:endParaRPr lang="pl-PL" sz="1300" noProof="0" dirty="0"/>
           </a:p>
@@ -37277,10 +37248,10 @@
       </p:sp>
       <p:sp>
         <p:nvSpPr>
-          <p:cNvPr id="23" name="Rectangle 22">
-            <a:extLst>
-              <a:ext uri="{FF2B5EF4-FFF2-40B4-BE49-F238E27FC236}">
-                <a16:creationId xmlns:a16="http://schemas.microsoft.com/office/drawing/2014/main" id="{B7D5E82F-2D6B-5B9A-B1DE-2967DDA8446C}"/>
+          <p:cNvPr id="11" name="Rectangle 10">
+            <a:extLst>
+              <a:ext uri="{FF2B5EF4-FFF2-40B4-BE49-F238E27FC236}">
+                <a16:creationId xmlns:a16="http://schemas.microsoft.com/office/drawing/2014/main" id="{B39EA5EA-5E12-EF32-0740-BD917168A415}"/>
               </a:ext>
             </a:extLst>
           </p:cNvPr>
@@ -37289,8 +37260,8 @@
         </p:nvSpPr>
         <p:spPr>
           <a:xfrm>
-            <a:off x="3556907" y="3013965"/>
-            <a:ext cx="1797538" cy="256721"/>
+            <a:off x="7079347" y="2289734"/>
+            <a:ext cx="1879600" cy="1054718"/>
           </a:xfrm>
           <a:prstGeom prst="rect">
             <a:avLst/>
@@ -37327,398 +37298,10 @@
               </a:lnSpc>
             </a:pPr>
             <a:r>
-              <a:rPr lang="pl-PL" sz="1300" noProof="0" dirty="0"/>
-              <a:t>ART</a:t>
-            </a:r>
-          </a:p>
-        </p:txBody>
-      </p:sp>
-      <p:sp>
-        <p:nvSpPr>
-          <p:cNvPr id="24" name="Rectangle 23">
-            <a:extLst>
-              <a:ext uri="{FF2B5EF4-FFF2-40B4-BE49-F238E27FC236}">
-                <a16:creationId xmlns:a16="http://schemas.microsoft.com/office/drawing/2014/main" id="{DDB7594E-7CB1-FEF9-D672-880B412A0A9B}"/>
-              </a:ext>
-            </a:extLst>
-          </p:cNvPr>
-          <p:cNvSpPr/>
-          <p:nvPr/>
-        </p:nvSpPr>
-        <p:spPr>
-          <a:xfrm>
-            <a:off x="3556907" y="3674288"/>
-            <a:ext cx="1797538" cy="256721"/>
-          </a:xfrm>
-          <a:prstGeom prst="rect">
-            <a:avLst/>
-          </a:prstGeom>
-          <a:ln>
-            <a:solidFill>
-              <a:schemeClr val="accent1"/>
-            </a:solidFill>
-          </a:ln>
-        </p:spPr>
-        <p:style>
-          <a:lnRef idx="2">
-            <a:schemeClr val="accent1">
-              <a:shade val="50000"/>
-            </a:schemeClr>
-          </a:lnRef>
-          <a:fillRef idx="1">
-            <a:schemeClr val="accent1"/>
-          </a:fillRef>
-          <a:effectRef idx="0">
-            <a:schemeClr val="accent1"/>
-          </a:effectRef>
-          <a:fontRef idx="minor">
-            <a:schemeClr val="lt1"/>
-          </a:fontRef>
-        </p:style>
-        <p:txBody>
-          <a:bodyPr rtlCol="0" anchor="ctr"/>
-          <a:lstStyle/>
-          <a:p>
-            <a:pPr algn="ctr">
-              <a:lnSpc>
-                <a:spcPct val="96000"/>
-              </a:lnSpc>
-            </a:pPr>
-            <a:r>
               <a:rPr lang="pl-PL" sz="1300" dirty="0" err="1"/>
-              <a:t>title</a:t>
-            </a:r>
-            <a:endParaRPr lang="pl-PL" sz="1300" noProof="0" dirty="0"/>
-          </a:p>
-        </p:txBody>
-      </p:sp>
-      <p:sp>
-        <p:nvSpPr>
-          <p:cNvPr id="25" name="Rectangle 24">
-            <a:extLst>
-              <a:ext uri="{FF2B5EF4-FFF2-40B4-BE49-F238E27FC236}">
-                <a16:creationId xmlns:a16="http://schemas.microsoft.com/office/drawing/2014/main" id="{0A66F19F-5C6E-A24E-8FA1-1F9E183BCD14}"/>
-              </a:ext>
-            </a:extLst>
-          </p:cNvPr>
-          <p:cNvSpPr/>
-          <p:nvPr/>
-        </p:nvSpPr>
-        <p:spPr>
-          <a:xfrm>
-            <a:off x="3556907" y="4285774"/>
-            <a:ext cx="1797538" cy="256721"/>
-          </a:xfrm>
-          <a:prstGeom prst="rect">
-            <a:avLst/>
-          </a:prstGeom>
-          <a:ln>
-            <a:solidFill>
-              <a:schemeClr val="accent1"/>
-            </a:solidFill>
-          </a:ln>
-        </p:spPr>
-        <p:style>
-          <a:lnRef idx="2">
-            <a:schemeClr val="accent1">
-              <a:shade val="50000"/>
-            </a:schemeClr>
-          </a:lnRef>
-          <a:fillRef idx="1">
-            <a:schemeClr val="accent1"/>
-          </a:fillRef>
-          <a:effectRef idx="0">
-            <a:schemeClr val="accent1"/>
-          </a:effectRef>
-          <a:fontRef idx="minor">
-            <a:schemeClr val="lt1"/>
-          </a:fontRef>
-        </p:style>
-        <p:txBody>
-          <a:bodyPr rtlCol="0" anchor="ctr"/>
-          <a:lstStyle/>
-          <a:p>
-            <a:pPr algn="ctr">
-              <a:lnSpc>
-                <a:spcPct val="96000"/>
-              </a:lnSpc>
-            </a:pPr>
-            <a:r>
-              <a:rPr lang="pl-PL" sz="1300" dirty="0" err="1"/>
-              <a:t>Competencies</a:t>
-            </a:r>
-            <a:endParaRPr lang="pl-PL" sz="1300" noProof="0" dirty="0"/>
-          </a:p>
-        </p:txBody>
-      </p:sp>
-      <p:pic>
-        <p:nvPicPr>
-          <p:cNvPr id="26" name="Picture 25" descr="Silhouette of a construction site">
-            <a:extLst>
-              <a:ext uri="{FF2B5EF4-FFF2-40B4-BE49-F238E27FC236}">
-                <a16:creationId xmlns:a16="http://schemas.microsoft.com/office/drawing/2014/main" id="{10633AD2-5389-1ABA-8B27-8F4ACC2AEADC}"/>
-              </a:ext>
-            </a:extLst>
-          </p:cNvPr>
-          <p:cNvPicPr>
-            <a:picLocks noChangeAspect="1"/>
-          </p:cNvPicPr>
-          <p:nvPr/>
-        </p:nvPicPr>
-        <p:blipFill>
-          <a:blip r:embed="rId3">
-            <a:extLst>
-              <a:ext uri="{28A0092B-C50C-407E-A947-70E740481C1C}">
-                <a14:useLocalDpi xmlns:a14="http://schemas.microsoft.com/office/drawing/2010/main" val="0"/>
-              </a:ext>
-            </a:extLst>
-          </a:blip>
-          <a:stretch>
-            <a:fillRect/>
-          </a:stretch>
-        </p:blipFill>
-        <p:spPr>
-          <a:xfrm>
-            <a:off x="6831205" y="1059402"/>
-            <a:ext cx="1645138" cy="1096491"/>
-          </a:xfrm>
-          <a:prstGeom prst="rect">
-            <a:avLst/>
-          </a:prstGeom>
-        </p:spPr>
-      </p:pic>
-      <p:sp>
-        <p:nvSpPr>
-          <p:cNvPr id="27" name="Rectangle 26">
-            <a:extLst>
-              <a:ext uri="{FF2B5EF4-FFF2-40B4-BE49-F238E27FC236}">
-                <a16:creationId xmlns:a16="http://schemas.microsoft.com/office/drawing/2014/main" id="{D2F7EDB6-3558-FEBB-B438-8B68F562EDF2}"/>
-              </a:ext>
-            </a:extLst>
-          </p:cNvPr>
-          <p:cNvSpPr/>
-          <p:nvPr/>
-        </p:nvSpPr>
-        <p:spPr>
-          <a:xfrm>
-            <a:off x="6749143" y="2472713"/>
-            <a:ext cx="1797538" cy="256721"/>
-          </a:xfrm>
-          <a:prstGeom prst="rect">
-            <a:avLst/>
-          </a:prstGeom>
-          <a:ln>
-            <a:solidFill>
-              <a:schemeClr val="accent1"/>
-            </a:solidFill>
-          </a:ln>
-        </p:spPr>
-        <p:style>
-          <a:lnRef idx="2">
-            <a:schemeClr val="accent1">
-              <a:shade val="50000"/>
-            </a:schemeClr>
-          </a:lnRef>
-          <a:fillRef idx="1">
-            <a:schemeClr val="accent1"/>
-          </a:fillRef>
-          <a:effectRef idx="0">
-            <a:schemeClr val="accent1"/>
-          </a:effectRef>
-          <a:fontRef idx="minor">
-            <a:schemeClr val="lt1"/>
-          </a:fontRef>
-        </p:style>
-        <p:txBody>
-          <a:bodyPr rtlCol="0" anchor="ctr"/>
-          <a:lstStyle/>
-          <a:p>
-            <a:pPr algn="ctr">
-              <a:lnSpc>
-                <a:spcPct val="96000"/>
-              </a:lnSpc>
-            </a:pPr>
-            <a:r>
-              <a:rPr lang="pl-PL" sz="1300" noProof="0" dirty="0" err="1"/>
-              <a:t>Name</a:t>
-            </a:r>
-            <a:endParaRPr lang="pl-PL" sz="1300" noProof="0" dirty="0"/>
-          </a:p>
-        </p:txBody>
-      </p:sp>
-      <p:sp>
-        <p:nvSpPr>
-          <p:cNvPr id="28" name="Rectangle 27">
-            <a:extLst>
-              <a:ext uri="{FF2B5EF4-FFF2-40B4-BE49-F238E27FC236}">
-                <a16:creationId xmlns:a16="http://schemas.microsoft.com/office/drawing/2014/main" id="{3C622D5B-E1A2-CF4A-7E80-251C4C61DE99}"/>
-              </a:ext>
-            </a:extLst>
-          </p:cNvPr>
-          <p:cNvSpPr/>
-          <p:nvPr/>
-        </p:nvSpPr>
-        <p:spPr>
-          <a:xfrm>
-            <a:off x="6749143" y="3046254"/>
-            <a:ext cx="1797538" cy="256721"/>
-          </a:xfrm>
-          <a:prstGeom prst="rect">
-            <a:avLst/>
-          </a:prstGeom>
-          <a:ln>
-            <a:solidFill>
-              <a:schemeClr val="accent1"/>
-            </a:solidFill>
-          </a:ln>
-        </p:spPr>
-        <p:style>
-          <a:lnRef idx="2">
-            <a:schemeClr val="accent1">
-              <a:shade val="50000"/>
-            </a:schemeClr>
-          </a:lnRef>
-          <a:fillRef idx="1">
-            <a:schemeClr val="accent1"/>
-          </a:fillRef>
-          <a:effectRef idx="0">
-            <a:schemeClr val="accent1"/>
-          </a:effectRef>
-          <a:fontRef idx="minor">
-            <a:schemeClr val="lt1"/>
-          </a:fontRef>
-        </p:style>
-        <p:txBody>
-          <a:bodyPr rtlCol="0" anchor="ctr"/>
-          <a:lstStyle/>
-          <a:p>
-            <a:pPr algn="ctr">
-              <a:lnSpc>
-                <a:spcPct val="96000"/>
-              </a:lnSpc>
-            </a:pPr>
-            <a:r>
-              <a:rPr lang="pl-PL" sz="1300" noProof="0" dirty="0"/>
-              <a:t>ART</a:t>
-            </a:r>
-          </a:p>
-        </p:txBody>
-      </p:sp>
-      <p:sp>
-        <p:nvSpPr>
-          <p:cNvPr id="29" name="Rectangle 28">
-            <a:extLst>
-              <a:ext uri="{FF2B5EF4-FFF2-40B4-BE49-F238E27FC236}">
-                <a16:creationId xmlns:a16="http://schemas.microsoft.com/office/drawing/2014/main" id="{CE9B99B9-234D-08D6-9D3F-C2226DF3206F}"/>
-              </a:ext>
-            </a:extLst>
-          </p:cNvPr>
-          <p:cNvSpPr/>
-          <p:nvPr/>
-        </p:nvSpPr>
-        <p:spPr>
-          <a:xfrm>
-            <a:off x="6749143" y="3706577"/>
-            <a:ext cx="1797538" cy="256721"/>
-          </a:xfrm>
-          <a:prstGeom prst="rect">
-            <a:avLst/>
-          </a:prstGeom>
-          <a:ln>
-            <a:solidFill>
-              <a:schemeClr val="accent1"/>
-            </a:solidFill>
-          </a:ln>
-        </p:spPr>
-        <p:style>
-          <a:lnRef idx="2">
-            <a:schemeClr val="accent1">
-              <a:shade val="50000"/>
-            </a:schemeClr>
-          </a:lnRef>
-          <a:fillRef idx="1">
-            <a:schemeClr val="accent1"/>
-          </a:fillRef>
-          <a:effectRef idx="0">
-            <a:schemeClr val="accent1"/>
-          </a:effectRef>
-          <a:fontRef idx="minor">
-            <a:schemeClr val="lt1"/>
-          </a:fontRef>
-        </p:style>
-        <p:txBody>
-          <a:bodyPr rtlCol="0" anchor="ctr"/>
-          <a:lstStyle/>
-          <a:p>
-            <a:pPr algn="ctr">
-              <a:lnSpc>
-                <a:spcPct val="96000"/>
-              </a:lnSpc>
-            </a:pPr>
-            <a:r>
-              <a:rPr lang="pl-PL" sz="1300" dirty="0" err="1"/>
-              <a:t>title</a:t>
-            </a:r>
-            <a:endParaRPr lang="pl-PL" sz="1300" noProof="0" dirty="0"/>
-          </a:p>
-        </p:txBody>
-      </p:sp>
-      <p:sp>
-        <p:nvSpPr>
-          <p:cNvPr id="30" name="Rectangle 29">
-            <a:extLst>
-              <a:ext uri="{FF2B5EF4-FFF2-40B4-BE49-F238E27FC236}">
-                <a16:creationId xmlns:a16="http://schemas.microsoft.com/office/drawing/2014/main" id="{0C9804B5-36CF-2E9F-2322-45E3F12FD283}"/>
-              </a:ext>
-            </a:extLst>
-          </p:cNvPr>
-          <p:cNvSpPr/>
-          <p:nvPr/>
-        </p:nvSpPr>
-        <p:spPr>
-          <a:xfrm>
-            <a:off x="6749143" y="4318063"/>
-            <a:ext cx="1797538" cy="256721"/>
-          </a:xfrm>
-          <a:prstGeom prst="rect">
-            <a:avLst/>
-          </a:prstGeom>
-          <a:ln>
-            <a:solidFill>
-              <a:schemeClr val="accent1"/>
-            </a:solidFill>
-          </a:ln>
-        </p:spPr>
-        <p:style>
-          <a:lnRef idx="2">
-            <a:schemeClr val="accent1">
-              <a:shade val="50000"/>
-            </a:schemeClr>
-          </a:lnRef>
-          <a:fillRef idx="1">
-            <a:schemeClr val="accent1"/>
-          </a:fillRef>
-          <a:effectRef idx="0">
-            <a:schemeClr val="accent1"/>
-          </a:effectRef>
-          <a:fontRef idx="minor">
-            <a:schemeClr val="lt1"/>
-          </a:fontRef>
-        </p:style>
-        <p:txBody>
-          <a:bodyPr rtlCol="0" anchor="ctr"/>
-          <a:lstStyle/>
-          <a:p>
-            <a:pPr algn="ctr">
-              <a:lnSpc>
-                <a:spcPct val="96000"/>
-              </a:lnSpc>
-            </a:pPr>
-            <a:r>
-              <a:rPr lang="pl-PL" sz="1300" dirty="0" err="1"/>
-              <a:t>Competencies</a:t>
-            </a:r>
-            <a:endParaRPr lang="pl-PL" sz="1300" noProof="0" dirty="0"/>
+              <a:t>Education</a:t>
+            </a:r>
+            <a:endParaRPr lang="pl-PL" sz="1300" dirty="0"/>
           </a:p>
         </p:txBody>
       </p:sp>
